--- a/ppt 16-9/0389.赎罪的羔羊.pptx
+++ b/ppt 16-9/0389.赎罪的羔羊.pptx
@@ -129,7 +129,7 @@
           <p:cNvPr id="2" name="标题 1">
             <a:extLst>
               <a:ext uri="{FF2B5EF4-FFF2-40B4-BE49-F238E27FC236}">
-                <a16:creationId xmlns:a16="http://schemas.microsoft.com/office/drawing/2014/main" id="{73788F1C-D111-47F8-5D18-D17C135BE52F}"/>
+                <a16:creationId xmlns:a16="http://schemas.microsoft.com/office/drawing/2014/main" id="{1CF32E0E-16E8-970E-7017-0802704A44E8}"/>
               </a:ext>
             </a:extLst>
           </p:cNvPr>
@@ -166,7 +166,7 @@
           <p:cNvPr id="3" name="副标题 2">
             <a:extLst>
               <a:ext uri="{FF2B5EF4-FFF2-40B4-BE49-F238E27FC236}">
-                <a16:creationId xmlns:a16="http://schemas.microsoft.com/office/drawing/2014/main" id="{37277885-6CD8-7555-E7B9-0B910CBBABAA}"/>
+                <a16:creationId xmlns:a16="http://schemas.microsoft.com/office/drawing/2014/main" id="{B749AE77-B877-DC92-976C-A72662439F8C}"/>
               </a:ext>
             </a:extLst>
           </p:cNvPr>
@@ -236,7 +236,7 @@
           <p:cNvPr id="4" name="日期占位符 3">
             <a:extLst>
               <a:ext uri="{FF2B5EF4-FFF2-40B4-BE49-F238E27FC236}">
-                <a16:creationId xmlns:a16="http://schemas.microsoft.com/office/drawing/2014/main" id="{100308AD-B9A0-1673-EA38-755C8EBDCB2B}"/>
+                <a16:creationId xmlns:a16="http://schemas.microsoft.com/office/drawing/2014/main" id="{38E193F0-3E8D-2EB4-D73E-9CBB181FE905}"/>
               </a:ext>
             </a:extLst>
           </p:cNvPr>
@@ -252,7 +252,7 @@
           <a:bodyPr/>
           <a:lstStyle/>
           <a:p>
-            <a:fld id="{C4BF9E0C-E532-4E11-80C4-263F0C47CEB0}" type="datetimeFigureOut">
+            <a:fld id="{46113AB6-C752-4B00-9A20-23FC21EDB52E}" type="datetimeFigureOut">
               <a:rPr lang="zh-CN" altLang="en-US" smtClean="0"/>
               <a:t>2024/3/10</a:t>
             </a:fld>
@@ -265,7 +265,7 @@
           <p:cNvPr id="5" name="页脚占位符 4">
             <a:extLst>
               <a:ext uri="{FF2B5EF4-FFF2-40B4-BE49-F238E27FC236}">
-                <a16:creationId xmlns:a16="http://schemas.microsoft.com/office/drawing/2014/main" id="{4C458E5C-68EF-5461-C3EB-F1BFF151EBB4}"/>
+                <a16:creationId xmlns:a16="http://schemas.microsoft.com/office/drawing/2014/main" id="{3E4760B0-BEA5-F377-5DBD-ECC0118F375F}"/>
               </a:ext>
             </a:extLst>
           </p:cNvPr>
@@ -290,7 +290,7 @@
           <p:cNvPr id="6" name="灯片编号占位符 5">
             <a:extLst>
               <a:ext uri="{FF2B5EF4-FFF2-40B4-BE49-F238E27FC236}">
-                <a16:creationId xmlns:a16="http://schemas.microsoft.com/office/drawing/2014/main" id="{AC9752B9-140B-F94E-B2D3-A5A599A95BBA}"/>
+                <a16:creationId xmlns:a16="http://schemas.microsoft.com/office/drawing/2014/main" id="{E2038A76-7BB5-53B5-8C5F-6A5C3FC54EE6}"/>
               </a:ext>
             </a:extLst>
           </p:cNvPr>
@@ -306,7 +306,7 @@
           <a:bodyPr/>
           <a:lstStyle/>
           <a:p>
-            <a:fld id="{D755354F-CF55-4F80-B0D3-7016214696F0}" type="slidenum">
+            <a:fld id="{EAFFE02E-343F-4856-B90F-82BD384260B4}" type="slidenum">
               <a:rPr lang="zh-CN" altLang="en-US" smtClean="0"/>
               <a:t>‹#›</a:t>
             </a:fld>
@@ -317,7 +317,7 @@
     </p:spTree>
     <p:extLst>
       <p:ext uri="{BB962C8B-B14F-4D97-AF65-F5344CB8AC3E}">
-        <p14:creationId xmlns:p14="http://schemas.microsoft.com/office/powerpoint/2010/main" val="789629025"/>
+        <p14:creationId xmlns:p14="http://schemas.microsoft.com/office/powerpoint/2010/main" val="402627422"/>
       </p:ext>
     </p:extLst>
   </p:cSld>
@@ -349,7 +349,7 @@
           <p:cNvPr id="2" name="标题 1">
             <a:extLst>
               <a:ext uri="{FF2B5EF4-FFF2-40B4-BE49-F238E27FC236}">
-                <a16:creationId xmlns:a16="http://schemas.microsoft.com/office/drawing/2014/main" id="{25029A08-F910-3D1A-025C-B20A95691055}"/>
+                <a16:creationId xmlns:a16="http://schemas.microsoft.com/office/drawing/2014/main" id="{71358C17-DD06-2678-19B5-F628C7FFE7E4}"/>
               </a:ext>
             </a:extLst>
           </p:cNvPr>
@@ -377,7 +377,7 @@
           <p:cNvPr id="3" name="竖排文字占位符 2">
             <a:extLst>
               <a:ext uri="{FF2B5EF4-FFF2-40B4-BE49-F238E27FC236}">
-                <a16:creationId xmlns:a16="http://schemas.microsoft.com/office/drawing/2014/main" id="{5C117142-8EB1-D262-8354-7C8699B0DBF0}"/>
+                <a16:creationId xmlns:a16="http://schemas.microsoft.com/office/drawing/2014/main" id="{C17D4A14-0DE4-5F15-F68E-EA1CACA490ED}"/>
               </a:ext>
             </a:extLst>
           </p:cNvPr>
@@ -434,7 +434,7 @@
           <p:cNvPr id="4" name="日期占位符 3">
             <a:extLst>
               <a:ext uri="{FF2B5EF4-FFF2-40B4-BE49-F238E27FC236}">
-                <a16:creationId xmlns:a16="http://schemas.microsoft.com/office/drawing/2014/main" id="{54564D55-F000-82BB-D6EB-4B007E7DDA23}"/>
+                <a16:creationId xmlns:a16="http://schemas.microsoft.com/office/drawing/2014/main" id="{8824C2E7-7C49-5812-6E86-7A3F3A51A21E}"/>
               </a:ext>
             </a:extLst>
           </p:cNvPr>
@@ -450,7 +450,7 @@
           <a:bodyPr/>
           <a:lstStyle/>
           <a:p>
-            <a:fld id="{C4BF9E0C-E532-4E11-80C4-263F0C47CEB0}" type="datetimeFigureOut">
+            <a:fld id="{46113AB6-C752-4B00-9A20-23FC21EDB52E}" type="datetimeFigureOut">
               <a:rPr lang="zh-CN" altLang="en-US" smtClean="0"/>
               <a:t>2024/3/10</a:t>
             </a:fld>
@@ -463,7 +463,7 @@
           <p:cNvPr id="5" name="页脚占位符 4">
             <a:extLst>
               <a:ext uri="{FF2B5EF4-FFF2-40B4-BE49-F238E27FC236}">
-                <a16:creationId xmlns:a16="http://schemas.microsoft.com/office/drawing/2014/main" id="{FCC5D416-7F81-8AEB-A140-12AA45B6F8D1}"/>
+                <a16:creationId xmlns:a16="http://schemas.microsoft.com/office/drawing/2014/main" id="{50A19D25-2F0D-425B-6825-13C4FCB624B4}"/>
               </a:ext>
             </a:extLst>
           </p:cNvPr>
@@ -488,7 +488,7 @@
           <p:cNvPr id="6" name="灯片编号占位符 5">
             <a:extLst>
               <a:ext uri="{FF2B5EF4-FFF2-40B4-BE49-F238E27FC236}">
-                <a16:creationId xmlns:a16="http://schemas.microsoft.com/office/drawing/2014/main" id="{41BE399C-E870-3316-E7E4-CAF7BA4B34A1}"/>
+                <a16:creationId xmlns:a16="http://schemas.microsoft.com/office/drawing/2014/main" id="{700A5964-E37B-A8E4-A6D2-DFFB942D9426}"/>
               </a:ext>
             </a:extLst>
           </p:cNvPr>
@@ -504,7 +504,7 @@
           <a:bodyPr/>
           <a:lstStyle/>
           <a:p>
-            <a:fld id="{D755354F-CF55-4F80-B0D3-7016214696F0}" type="slidenum">
+            <a:fld id="{EAFFE02E-343F-4856-B90F-82BD384260B4}" type="slidenum">
               <a:rPr lang="zh-CN" altLang="en-US" smtClean="0"/>
               <a:t>‹#›</a:t>
             </a:fld>
@@ -515,7 +515,7 @@
     </p:spTree>
     <p:extLst>
       <p:ext uri="{BB962C8B-B14F-4D97-AF65-F5344CB8AC3E}">
-        <p14:creationId xmlns:p14="http://schemas.microsoft.com/office/powerpoint/2010/main" val="1034348723"/>
+        <p14:creationId xmlns:p14="http://schemas.microsoft.com/office/powerpoint/2010/main" val="843087738"/>
       </p:ext>
     </p:extLst>
   </p:cSld>
@@ -547,7 +547,7 @@
           <p:cNvPr id="2" name="竖排标题 1">
             <a:extLst>
               <a:ext uri="{FF2B5EF4-FFF2-40B4-BE49-F238E27FC236}">
-                <a16:creationId xmlns:a16="http://schemas.microsoft.com/office/drawing/2014/main" id="{45140F85-C26D-8C9C-2E41-C903DDC04287}"/>
+                <a16:creationId xmlns:a16="http://schemas.microsoft.com/office/drawing/2014/main" id="{389E5826-FA8D-0792-F84C-3440211F8AF0}"/>
               </a:ext>
             </a:extLst>
           </p:cNvPr>
@@ -580,7 +580,7 @@
           <p:cNvPr id="3" name="竖排文字占位符 2">
             <a:extLst>
               <a:ext uri="{FF2B5EF4-FFF2-40B4-BE49-F238E27FC236}">
-                <a16:creationId xmlns:a16="http://schemas.microsoft.com/office/drawing/2014/main" id="{2AD3BC63-785B-0122-6D2A-25279DE20FD6}"/>
+                <a16:creationId xmlns:a16="http://schemas.microsoft.com/office/drawing/2014/main" id="{185A3D85-C113-52FB-2EE7-B7969FC06CB7}"/>
               </a:ext>
             </a:extLst>
           </p:cNvPr>
@@ -642,7 +642,7 @@
           <p:cNvPr id="4" name="日期占位符 3">
             <a:extLst>
               <a:ext uri="{FF2B5EF4-FFF2-40B4-BE49-F238E27FC236}">
-                <a16:creationId xmlns:a16="http://schemas.microsoft.com/office/drawing/2014/main" id="{A2B7B89E-C29F-F0A9-CD09-E2D86D4A4783}"/>
+                <a16:creationId xmlns:a16="http://schemas.microsoft.com/office/drawing/2014/main" id="{3907216B-3210-E12A-2FFE-DCE2D461DB3F}"/>
               </a:ext>
             </a:extLst>
           </p:cNvPr>
@@ -658,7 +658,7 @@
           <a:bodyPr/>
           <a:lstStyle/>
           <a:p>
-            <a:fld id="{C4BF9E0C-E532-4E11-80C4-263F0C47CEB0}" type="datetimeFigureOut">
+            <a:fld id="{46113AB6-C752-4B00-9A20-23FC21EDB52E}" type="datetimeFigureOut">
               <a:rPr lang="zh-CN" altLang="en-US" smtClean="0"/>
               <a:t>2024/3/10</a:t>
             </a:fld>
@@ -671,7 +671,7 @@
           <p:cNvPr id="5" name="页脚占位符 4">
             <a:extLst>
               <a:ext uri="{FF2B5EF4-FFF2-40B4-BE49-F238E27FC236}">
-                <a16:creationId xmlns:a16="http://schemas.microsoft.com/office/drawing/2014/main" id="{5E68CBBE-1D99-FD27-9F27-5A3819993A94}"/>
+                <a16:creationId xmlns:a16="http://schemas.microsoft.com/office/drawing/2014/main" id="{74170D82-0966-9D0E-DB28-AB6452F6FEAA}"/>
               </a:ext>
             </a:extLst>
           </p:cNvPr>
@@ -696,7 +696,7 @@
           <p:cNvPr id="6" name="灯片编号占位符 5">
             <a:extLst>
               <a:ext uri="{FF2B5EF4-FFF2-40B4-BE49-F238E27FC236}">
-                <a16:creationId xmlns:a16="http://schemas.microsoft.com/office/drawing/2014/main" id="{82893EE4-4404-5F60-F8D3-E50B67826E58}"/>
+                <a16:creationId xmlns:a16="http://schemas.microsoft.com/office/drawing/2014/main" id="{579CEF7A-DFED-27C1-3E6B-A99E8611AAF8}"/>
               </a:ext>
             </a:extLst>
           </p:cNvPr>
@@ -712,7 +712,7 @@
           <a:bodyPr/>
           <a:lstStyle/>
           <a:p>
-            <a:fld id="{D755354F-CF55-4F80-B0D3-7016214696F0}" type="slidenum">
+            <a:fld id="{EAFFE02E-343F-4856-B90F-82BD384260B4}" type="slidenum">
               <a:rPr lang="zh-CN" altLang="en-US" smtClean="0"/>
               <a:t>‹#›</a:t>
             </a:fld>
@@ -723,7 +723,7 @@
     </p:spTree>
     <p:extLst>
       <p:ext uri="{BB962C8B-B14F-4D97-AF65-F5344CB8AC3E}">
-        <p14:creationId xmlns:p14="http://schemas.microsoft.com/office/powerpoint/2010/main" val="2642904302"/>
+        <p14:creationId xmlns:p14="http://schemas.microsoft.com/office/powerpoint/2010/main" val="4170215573"/>
       </p:ext>
     </p:extLst>
   </p:cSld>
@@ -755,7 +755,7 @@
           <p:cNvPr id="2" name="标题 1">
             <a:extLst>
               <a:ext uri="{FF2B5EF4-FFF2-40B4-BE49-F238E27FC236}">
-                <a16:creationId xmlns:a16="http://schemas.microsoft.com/office/drawing/2014/main" id="{2CEEC9CB-4A2E-3419-6ADB-6CDDC859A269}"/>
+                <a16:creationId xmlns:a16="http://schemas.microsoft.com/office/drawing/2014/main" id="{75353D6D-16FB-2C61-9537-4F199F5317C2}"/>
               </a:ext>
             </a:extLst>
           </p:cNvPr>
@@ -783,7 +783,7 @@
           <p:cNvPr id="3" name="内容占位符 2">
             <a:extLst>
               <a:ext uri="{FF2B5EF4-FFF2-40B4-BE49-F238E27FC236}">
-                <a16:creationId xmlns:a16="http://schemas.microsoft.com/office/drawing/2014/main" id="{17A0FC5D-393A-0084-7288-A247407EBC3B}"/>
+                <a16:creationId xmlns:a16="http://schemas.microsoft.com/office/drawing/2014/main" id="{B6DA67F6-9B8B-A16A-93B0-AC67069CA610}"/>
               </a:ext>
             </a:extLst>
           </p:cNvPr>
@@ -840,7 +840,7 @@
           <p:cNvPr id="4" name="日期占位符 3">
             <a:extLst>
               <a:ext uri="{FF2B5EF4-FFF2-40B4-BE49-F238E27FC236}">
-                <a16:creationId xmlns:a16="http://schemas.microsoft.com/office/drawing/2014/main" id="{1A4EBEA3-243A-44B1-11B3-6F57020EC0A7}"/>
+                <a16:creationId xmlns:a16="http://schemas.microsoft.com/office/drawing/2014/main" id="{008C84E1-C2BC-65D3-E843-3AE61471BB1E}"/>
               </a:ext>
             </a:extLst>
           </p:cNvPr>
@@ -856,7 +856,7 @@
           <a:bodyPr/>
           <a:lstStyle/>
           <a:p>
-            <a:fld id="{C4BF9E0C-E532-4E11-80C4-263F0C47CEB0}" type="datetimeFigureOut">
+            <a:fld id="{46113AB6-C752-4B00-9A20-23FC21EDB52E}" type="datetimeFigureOut">
               <a:rPr lang="zh-CN" altLang="en-US" smtClean="0"/>
               <a:t>2024/3/10</a:t>
             </a:fld>
@@ -869,7 +869,7 @@
           <p:cNvPr id="5" name="页脚占位符 4">
             <a:extLst>
               <a:ext uri="{FF2B5EF4-FFF2-40B4-BE49-F238E27FC236}">
-                <a16:creationId xmlns:a16="http://schemas.microsoft.com/office/drawing/2014/main" id="{7CB763A0-0806-ED9D-A9D5-4C88F1492983}"/>
+                <a16:creationId xmlns:a16="http://schemas.microsoft.com/office/drawing/2014/main" id="{0EC407EE-0191-BB75-1C5E-AB116E8A9A8C}"/>
               </a:ext>
             </a:extLst>
           </p:cNvPr>
@@ -894,7 +894,7 @@
           <p:cNvPr id="6" name="灯片编号占位符 5">
             <a:extLst>
               <a:ext uri="{FF2B5EF4-FFF2-40B4-BE49-F238E27FC236}">
-                <a16:creationId xmlns:a16="http://schemas.microsoft.com/office/drawing/2014/main" id="{4890516F-DA40-3B11-19B8-4D84F93EF2A1}"/>
+                <a16:creationId xmlns:a16="http://schemas.microsoft.com/office/drawing/2014/main" id="{97309C9B-DDF5-5D36-B7D3-A735B300C31B}"/>
               </a:ext>
             </a:extLst>
           </p:cNvPr>
@@ -910,7 +910,7 @@
           <a:bodyPr/>
           <a:lstStyle/>
           <a:p>
-            <a:fld id="{D755354F-CF55-4F80-B0D3-7016214696F0}" type="slidenum">
+            <a:fld id="{EAFFE02E-343F-4856-B90F-82BD384260B4}" type="slidenum">
               <a:rPr lang="zh-CN" altLang="en-US" smtClean="0"/>
               <a:t>‹#›</a:t>
             </a:fld>
@@ -921,7 +921,7 @@
     </p:spTree>
     <p:extLst>
       <p:ext uri="{BB962C8B-B14F-4D97-AF65-F5344CB8AC3E}">
-        <p14:creationId xmlns:p14="http://schemas.microsoft.com/office/powerpoint/2010/main" val="1784587551"/>
+        <p14:creationId xmlns:p14="http://schemas.microsoft.com/office/powerpoint/2010/main" val="1847198125"/>
       </p:ext>
     </p:extLst>
   </p:cSld>
@@ -953,7 +953,7 @@
           <p:cNvPr id="2" name="标题 1">
             <a:extLst>
               <a:ext uri="{FF2B5EF4-FFF2-40B4-BE49-F238E27FC236}">
-                <a16:creationId xmlns:a16="http://schemas.microsoft.com/office/drawing/2014/main" id="{EE425D94-60C8-0453-36F8-8ECE69992029}"/>
+                <a16:creationId xmlns:a16="http://schemas.microsoft.com/office/drawing/2014/main" id="{87354E0B-533D-B6FA-DBB5-F9E923EA8B48}"/>
               </a:ext>
             </a:extLst>
           </p:cNvPr>
@@ -990,7 +990,7 @@
           <p:cNvPr id="3" name="文本占位符 2">
             <a:extLst>
               <a:ext uri="{FF2B5EF4-FFF2-40B4-BE49-F238E27FC236}">
-                <a16:creationId xmlns:a16="http://schemas.microsoft.com/office/drawing/2014/main" id="{8BE7AF2F-F0C7-0F97-5ABE-060A18BC09D9}"/>
+                <a16:creationId xmlns:a16="http://schemas.microsoft.com/office/drawing/2014/main" id="{46268BAA-BA1B-DFE3-44AD-C5A29B9070E4}"/>
               </a:ext>
             </a:extLst>
           </p:cNvPr>
@@ -1115,7 +1115,7 @@
           <p:cNvPr id="4" name="日期占位符 3">
             <a:extLst>
               <a:ext uri="{FF2B5EF4-FFF2-40B4-BE49-F238E27FC236}">
-                <a16:creationId xmlns:a16="http://schemas.microsoft.com/office/drawing/2014/main" id="{C8BFA75B-8EA2-314B-DD95-205421D1930B}"/>
+                <a16:creationId xmlns:a16="http://schemas.microsoft.com/office/drawing/2014/main" id="{21E9E885-CCE4-33A0-F4A3-7C640115353C}"/>
               </a:ext>
             </a:extLst>
           </p:cNvPr>
@@ -1131,7 +1131,7 @@
           <a:bodyPr/>
           <a:lstStyle/>
           <a:p>
-            <a:fld id="{C4BF9E0C-E532-4E11-80C4-263F0C47CEB0}" type="datetimeFigureOut">
+            <a:fld id="{46113AB6-C752-4B00-9A20-23FC21EDB52E}" type="datetimeFigureOut">
               <a:rPr lang="zh-CN" altLang="en-US" smtClean="0"/>
               <a:t>2024/3/10</a:t>
             </a:fld>
@@ -1144,7 +1144,7 @@
           <p:cNvPr id="5" name="页脚占位符 4">
             <a:extLst>
               <a:ext uri="{FF2B5EF4-FFF2-40B4-BE49-F238E27FC236}">
-                <a16:creationId xmlns:a16="http://schemas.microsoft.com/office/drawing/2014/main" id="{0B634378-2575-4D03-F889-F1E457D0AF54}"/>
+                <a16:creationId xmlns:a16="http://schemas.microsoft.com/office/drawing/2014/main" id="{D1961ADD-AA80-1043-1A39-8A4D5E00ECF5}"/>
               </a:ext>
             </a:extLst>
           </p:cNvPr>
@@ -1169,7 +1169,7 @@
           <p:cNvPr id="6" name="灯片编号占位符 5">
             <a:extLst>
               <a:ext uri="{FF2B5EF4-FFF2-40B4-BE49-F238E27FC236}">
-                <a16:creationId xmlns:a16="http://schemas.microsoft.com/office/drawing/2014/main" id="{10D47F35-A295-DE2E-5FC5-081A50FF2BD1}"/>
+                <a16:creationId xmlns:a16="http://schemas.microsoft.com/office/drawing/2014/main" id="{86F48580-049C-3FA5-9DBE-A1373772D0A8}"/>
               </a:ext>
             </a:extLst>
           </p:cNvPr>
@@ -1185,7 +1185,7 @@
           <a:bodyPr/>
           <a:lstStyle/>
           <a:p>
-            <a:fld id="{D755354F-CF55-4F80-B0D3-7016214696F0}" type="slidenum">
+            <a:fld id="{EAFFE02E-343F-4856-B90F-82BD384260B4}" type="slidenum">
               <a:rPr lang="zh-CN" altLang="en-US" smtClean="0"/>
               <a:t>‹#›</a:t>
             </a:fld>
@@ -1196,7 +1196,7 @@
     </p:spTree>
     <p:extLst>
       <p:ext uri="{BB962C8B-B14F-4D97-AF65-F5344CB8AC3E}">
-        <p14:creationId xmlns:p14="http://schemas.microsoft.com/office/powerpoint/2010/main" val="113455441"/>
+        <p14:creationId xmlns:p14="http://schemas.microsoft.com/office/powerpoint/2010/main" val="187813081"/>
       </p:ext>
     </p:extLst>
   </p:cSld>
@@ -1228,7 +1228,7 @@
           <p:cNvPr id="2" name="标题 1">
             <a:extLst>
               <a:ext uri="{FF2B5EF4-FFF2-40B4-BE49-F238E27FC236}">
-                <a16:creationId xmlns:a16="http://schemas.microsoft.com/office/drawing/2014/main" id="{5BFC90C6-6128-FB6A-87ED-5134C26D7400}"/>
+                <a16:creationId xmlns:a16="http://schemas.microsoft.com/office/drawing/2014/main" id="{812970F5-3F53-5062-4792-F3ED748879CB}"/>
               </a:ext>
             </a:extLst>
           </p:cNvPr>
@@ -1256,7 +1256,7 @@
           <p:cNvPr id="3" name="内容占位符 2">
             <a:extLst>
               <a:ext uri="{FF2B5EF4-FFF2-40B4-BE49-F238E27FC236}">
-                <a16:creationId xmlns:a16="http://schemas.microsoft.com/office/drawing/2014/main" id="{571D9BBA-57BE-EBD8-567F-395C2C5BC6D2}"/>
+                <a16:creationId xmlns:a16="http://schemas.microsoft.com/office/drawing/2014/main" id="{8363C98E-51CB-F1AD-8939-C31637665ED8}"/>
               </a:ext>
             </a:extLst>
           </p:cNvPr>
@@ -1318,7 +1318,7 @@
           <p:cNvPr id="4" name="内容占位符 3">
             <a:extLst>
               <a:ext uri="{FF2B5EF4-FFF2-40B4-BE49-F238E27FC236}">
-                <a16:creationId xmlns:a16="http://schemas.microsoft.com/office/drawing/2014/main" id="{36976E48-784E-A286-6450-40DD16C91E8B}"/>
+                <a16:creationId xmlns:a16="http://schemas.microsoft.com/office/drawing/2014/main" id="{ADC80EA6-5D27-F12A-5A75-0B8877521EF4}"/>
               </a:ext>
             </a:extLst>
           </p:cNvPr>
@@ -1380,7 +1380,7 @@
           <p:cNvPr id="5" name="日期占位符 4">
             <a:extLst>
               <a:ext uri="{FF2B5EF4-FFF2-40B4-BE49-F238E27FC236}">
-                <a16:creationId xmlns:a16="http://schemas.microsoft.com/office/drawing/2014/main" id="{38D8F1BB-E6AE-50A2-7B3D-74AB1A525D85}"/>
+                <a16:creationId xmlns:a16="http://schemas.microsoft.com/office/drawing/2014/main" id="{964084FF-78F2-025E-71D6-424C0A501C7E}"/>
               </a:ext>
             </a:extLst>
           </p:cNvPr>
@@ -1396,7 +1396,7 @@
           <a:bodyPr/>
           <a:lstStyle/>
           <a:p>
-            <a:fld id="{C4BF9E0C-E532-4E11-80C4-263F0C47CEB0}" type="datetimeFigureOut">
+            <a:fld id="{46113AB6-C752-4B00-9A20-23FC21EDB52E}" type="datetimeFigureOut">
               <a:rPr lang="zh-CN" altLang="en-US" smtClean="0"/>
               <a:t>2024/3/10</a:t>
             </a:fld>
@@ -1409,7 +1409,7 @@
           <p:cNvPr id="6" name="页脚占位符 5">
             <a:extLst>
               <a:ext uri="{FF2B5EF4-FFF2-40B4-BE49-F238E27FC236}">
-                <a16:creationId xmlns:a16="http://schemas.microsoft.com/office/drawing/2014/main" id="{DDB36E8C-4223-BB7F-E75A-46242B47302C}"/>
+                <a16:creationId xmlns:a16="http://schemas.microsoft.com/office/drawing/2014/main" id="{4BF640FE-94A4-AB68-3306-6315D6801201}"/>
               </a:ext>
             </a:extLst>
           </p:cNvPr>
@@ -1434,7 +1434,7 @@
           <p:cNvPr id="7" name="灯片编号占位符 6">
             <a:extLst>
               <a:ext uri="{FF2B5EF4-FFF2-40B4-BE49-F238E27FC236}">
-                <a16:creationId xmlns:a16="http://schemas.microsoft.com/office/drawing/2014/main" id="{34DEBE1E-462A-8DB2-E118-2CF5CCFF9FAD}"/>
+                <a16:creationId xmlns:a16="http://schemas.microsoft.com/office/drawing/2014/main" id="{00EEA4E7-BB88-A40B-DB7E-FB875227E229}"/>
               </a:ext>
             </a:extLst>
           </p:cNvPr>
@@ -1450,7 +1450,7 @@
           <a:bodyPr/>
           <a:lstStyle/>
           <a:p>
-            <a:fld id="{D755354F-CF55-4F80-B0D3-7016214696F0}" type="slidenum">
+            <a:fld id="{EAFFE02E-343F-4856-B90F-82BD384260B4}" type="slidenum">
               <a:rPr lang="zh-CN" altLang="en-US" smtClean="0"/>
               <a:t>‹#›</a:t>
             </a:fld>
@@ -1461,7 +1461,7 @@
     </p:spTree>
     <p:extLst>
       <p:ext uri="{BB962C8B-B14F-4D97-AF65-F5344CB8AC3E}">
-        <p14:creationId xmlns:p14="http://schemas.microsoft.com/office/powerpoint/2010/main" val="1100926784"/>
+        <p14:creationId xmlns:p14="http://schemas.microsoft.com/office/powerpoint/2010/main" val="2831049421"/>
       </p:ext>
     </p:extLst>
   </p:cSld>
@@ -1493,7 +1493,7 @@
           <p:cNvPr id="2" name="标题 1">
             <a:extLst>
               <a:ext uri="{FF2B5EF4-FFF2-40B4-BE49-F238E27FC236}">
-                <a16:creationId xmlns:a16="http://schemas.microsoft.com/office/drawing/2014/main" id="{C097DE43-F9AA-A397-D16F-D6604C7F92CA}"/>
+                <a16:creationId xmlns:a16="http://schemas.microsoft.com/office/drawing/2014/main" id="{F48C86FE-D430-C7CD-2E4C-D61EC282A8A8}"/>
               </a:ext>
             </a:extLst>
           </p:cNvPr>
@@ -1526,7 +1526,7 @@
           <p:cNvPr id="3" name="文本占位符 2">
             <a:extLst>
               <a:ext uri="{FF2B5EF4-FFF2-40B4-BE49-F238E27FC236}">
-                <a16:creationId xmlns:a16="http://schemas.microsoft.com/office/drawing/2014/main" id="{15178912-AAB1-D911-2A8B-7D7FC7E87ED3}"/>
+                <a16:creationId xmlns:a16="http://schemas.microsoft.com/office/drawing/2014/main" id="{3605B975-C642-2D50-C23B-8B2FC0F8F884}"/>
               </a:ext>
             </a:extLst>
           </p:cNvPr>
@@ -1597,7 +1597,7 @@
           <p:cNvPr id="4" name="内容占位符 3">
             <a:extLst>
               <a:ext uri="{FF2B5EF4-FFF2-40B4-BE49-F238E27FC236}">
-                <a16:creationId xmlns:a16="http://schemas.microsoft.com/office/drawing/2014/main" id="{2FB3B30C-43E1-8402-674A-2CADEB9C0CDB}"/>
+                <a16:creationId xmlns:a16="http://schemas.microsoft.com/office/drawing/2014/main" id="{B644C744-E2BE-A6E4-291C-5DB2679193EC}"/>
               </a:ext>
             </a:extLst>
           </p:cNvPr>
@@ -1659,7 +1659,7 @@
           <p:cNvPr id="5" name="文本占位符 4">
             <a:extLst>
               <a:ext uri="{FF2B5EF4-FFF2-40B4-BE49-F238E27FC236}">
-                <a16:creationId xmlns:a16="http://schemas.microsoft.com/office/drawing/2014/main" id="{07BEFD61-B20A-2904-B486-997D49464078}"/>
+                <a16:creationId xmlns:a16="http://schemas.microsoft.com/office/drawing/2014/main" id="{E16B9FCE-9247-FA6F-DE7B-9EBBC9B5D9C4}"/>
               </a:ext>
             </a:extLst>
           </p:cNvPr>
@@ -1730,7 +1730,7 @@
           <p:cNvPr id="6" name="内容占位符 5">
             <a:extLst>
               <a:ext uri="{FF2B5EF4-FFF2-40B4-BE49-F238E27FC236}">
-                <a16:creationId xmlns:a16="http://schemas.microsoft.com/office/drawing/2014/main" id="{8260A208-1678-39BE-1E43-B4D915445708}"/>
+                <a16:creationId xmlns:a16="http://schemas.microsoft.com/office/drawing/2014/main" id="{2A18DEEA-FAD2-8F39-ABBD-B59F8DA74CBC}"/>
               </a:ext>
             </a:extLst>
           </p:cNvPr>
@@ -1792,7 +1792,7 @@
           <p:cNvPr id="7" name="日期占位符 6">
             <a:extLst>
               <a:ext uri="{FF2B5EF4-FFF2-40B4-BE49-F238E27FC236}">
-                <a16:creationId xmlns:a16="http://schemas.microsoft.com/office/drawing/2014/main" id="{C7B24F6C-5A49-6741-684B-4362393A42F7}"/>
+                <a16:creationId xmlns:a16="http://schemas.microsoft.com/office/drawing/2014/main" id="{B7D45C48-28FF-A293-5110-FE7C62E0EAFB}"/>
               </a:ext>
             </a:extLst>
           </p:cNvPr>
@@ -1808,7 +1808,7 @@
           <a:bodyPr/>
           <a:lstStyle/>
           <a:p>
-            <a:fld id="{C4BF9E0C-E532-4E11-80C4-263F0C47CEB0}" type="datetimeFigureOut">
+            <a:fld id="{46113AB6-C752-4B00-9A20-23FC21EDB52E}" type="datetimeFigureOut">
               <a:rPr lang="zh-CN" altLang="en-US" smtClean="0"/>
               <a:t>2024/3/10</a:t>
             </a:fld>
@@ -1821,7 +1821,7 @@
           <p:cNvPr id="8" name="页脚占位符 7">
             <a:extLst>
               <a:ext uri="{FF2B5EF4-FFF2-40B4-BE49-F238E27FC236}">
-                <a16:creationId xmlns:a16="http://schemas.microsoft.com/office/drawing/2014/main" id="{CAA4771B-41C6-DCC7-2E1F-3C0C0FF7717B}"/>
+                <a16:creationId xmlns:a16="http://schemas.microsoft.com/office/drawing/2014/main" id="{92B32DD6-E161-09DD-CB7E-F497E3B191F6}"/>
               </a:ext>
             </a:extLst>
           </p:cNvPr>
@@ -1846,7 +1846,7 @@
           <p:cNvPr id="9" name="灯片编号占位符 8">
             <a:extLst>
               <a:ext uri="{FF2B5EF4-FFF2-40B4-BE49-F238E27FC236}">
-                <a16:creationId xmlns:a16="http://schemas.microsoft.com/office/drawing/2014/main" id="{1C750E33-62A7-D4FE-FB24-686176266886}"/>
+                <a16:creationId xmlns:a16="http://schemas.microsoft.com/office/drawing/2014/main" id="{664F13D5-B313-1287-5550-2FAB807AC325}"/>
               </a:ext>
             </a:extLst>
           </p:cNvPr>
@@ -1862,7 +1862,7 @@
           <a:bodyPr/>
           <a:lstStyle/>
           <a:p>
-            <a:fld id="{D755354F-CF55-4F80-B0D3-7016214696F0}" type="slidenum">
+            <a:fld id="{EAFFE02E-343F-4856-B90F-82BD384260B4}" type="slidenum">
               <a:rPr lang="zh-CN" altLang="en-US" smtClean="0"/>
               <a:t>‹#›</a:t>
             </a:fld>
@@ -1873,7 +1873,7 @@
     </p:spTree>
     <p:extLst>
       <p:ext uri="{BB962C8B-B14F-4D97-AF65-F5344CB8AC3E}">
-        <p14:creationId xmlns:p14="http://schemas.microsoft.com/office/powerpoint/2010/main" val="3268919503"/>
+        <p14:creationId xmlns:p14="http://schemas.microsoft.com/office/powerpoint/2010/main" val="2393770962"/>
       </p:ext>
     </p:extLst>
   </p:cSld>
@@ -1905,7 +1905,7 @@
           <p:cNvPr id="2" name="标题 1">
             <a:extLst>
               <a:ext uri="{FF2B5EF4-FFF2-40B4-BE49-F238E27FC236}">
-                <a16:creationId xmlns:a16="http://schemas.microsoft.com/office/drawing/2014/main" id="{AE61E761-5B0E-B632-1816-4C5D3948E5DB}"/>
+                <a16:creationId xmlns:a16="http://schemas.microsoft.com/office/drawing/2014/main" id="{5C5DEFE8-7254-8B8E-9340-0E352133045B}"/>
               </a:ext>
             </a:extLst>
           </p:cNvPr>
@@ -1933,7 +1933,7 @@
           <p:cNvPr id="3" name="日期占位符 2">
             <a:extLst>
               <a:ext uri="{FF2B5EF4-FFF2-40B4-BE49-F238E27FC236}">
-                <a16:creationId xmlns:a16="http://schemas.microsoft.com/office/drawing/2014/main" id="{481C5575-188A-6156-D2A9-29C0EBB979C9}"/>
+                <a16:creationId xmlns:a16="http://schemas.microsoft.com/office/drawing/2014/main" id="{C6D530DD-AE21-08FA-1843-857967908D01}"/>
               </a:ext>
             </a:extLst>
           </p:cNvPr>
@@ -1949,7 +1949,7 @@
           <a:bodyPr/>
           <a:lstStyle/>
           <a:p>
-            <a:fld id="{C4BF9E0C-E532-4E11-80C4-263F0C47CEB0}" type="datetimeFigureOut">
+            <a:fld id="{46113AB6-C752-4B00-9A20-23FC21EDB52E}" type="datetimeFigureOut">
               <a:rPr lang="zh-CN" altLang="en-US" smtClean="0"/>
               <a:t>2024/3/10</a:t>
             </a:fld>
@@ -1962,7 +1962,7 @@
           <p:cNvPr id="4" name="页脚占位符 3">
             <a:extLst>
               <a:ext uri="{FF2B5EF4-FFF2-40B4-BE49-F238E27FC236}">
-                <a16:creationId xmlns:a16="http://schemas.microsoft.com/office/drawing/2014/main" id="{70AE85C9-90D2-BAA3-DBCD-21BF7E53AA5D}"/>
+                <a16:creationId xmlns:a16="http://schemas.microsoft.com/office/drawing/2014/main" id="{512297F3-3ABA-4F1D-D8EB-6B54854FEF19}"/>
               </a:ext>
             </a:extLst>
           </p:cNvPr>
@@ -1987,7 +1987,7 @@
           <p:cNvPr id="5" name="灯片编号占位符 4">
             <a:extLst>
               <a:ext uri="{FF2B5EF4-FFF2-40B4-BE49-F238E27FC236}">
-                <a16:creationId xmlns:a16="http://schemas.microsoft.com/office/drawing/2014/main" id="{717D60E9-AB78-18EF-800D-7820F35112CE}"/>
+                <a16:creationId xmlns:a16="http://schemas.microsoft.com/office/drawing/2014/main" id="{4EC71383-455F-2D9E-C99A-8B187D912EBF}"/>
               </a:ext>
             </a:extLst>
           </p:cNvPr>
@@ -2003,7 +2003,7 @@
           <a:bodyPr/>
           <a:lstStyle/>
           <a:p>
-            <a:fld id="{D755354F-CF55-4F80-B0D3-7016214696F0}" type="slidenum">
+            <a:fld id="{EAFFE02E-343F-4856-B90F-82BD384260B4}" type="slidenum">
               <a:rPr lang="zh-CN" altLang="en-US" smtClean="0"/>
               <a:t>‹#›</a:t>
             </a:fld>
@@ -2014,7 +2014,7 @@
     </p:spTree>
     <p:extLst>
       <p:ext uri="{BB962C8B-B14F-4D97-AF65-F5344CB8AC3E}">
-        <p14:creationId xmlns:p14="http://schemas.microsoft.com/office/powerpoint/2010/main" val="1955150044"/>
+        <p14:creationId xmlns:p14="http://schemas.microsoft.com/office/powerpoint/2010/main" val="2586541511"/>
       </p:ext>
     </p:extLst>
   </p:cSld>
@@ -2046,7 +2046,7 @@
           <p:cNvPr id="2" name="日期占位符 1">
             <a:extLst>
               <a:ext uri="{FF2B5EF4-FFF2-40B4-BE49-F238E27FC236}">
-                <a16:creationId xmlns:a16="http://schemas.microsoft.com/office/drawing/2014/main" id="{7C3FB616-1059-0890-BE51-990E81BE43D2}"/>
+                <a16:creationId xmlns:a16="http://schemas.microsoft.com/office/drawing/2014/main" id="{D6203C73-37A4-3CEE-7745-67CC26653891}"/>
               </a:ext>
             </a:extLst>
           </p:cNvPr>
@@ -2062,7 +2062,7 @@
           <a:bodyPr/>
           <a:lstStyle/>
           <a:p>
-            <a:fld id="{C4BF9E0C-E532-4E11-80C4-263F0C47CEB0}" type="datetimeFigureOut">
+            <a:fld id="{46113AB6-C752-4B00-9A20-23FC21EDB52E}" type="datetimeFigureOut">
               <a:rPr lang="zh-CN" altLang="en-US" smtClean="0"/>
               <a:t>2024/3/10</a:t>
             </a:fld>
@@ -2075,7 +2075,7 @@
           <p:cNvPr id="3" name="页脚占位符 2">
             <a:extLst>
               <a:ext uri="{FF2B5EF4-FFF2-40B4-BE49-F238E27FC236}">
-                <a16:creationId xmlns:a16="http://schemas.microsoft.com/office/drawing/2014/main" id="{BD8066F2-82F5-97D9-9ACC-133ADB0F26D8}"/>
+                <a16:creationId xmlns:a16="http://schemas.microsoft.com/office/drawing/2014/main" id="{B0833093-CAB7-E07A-03B2-3951F1B0AB5F}"/>
               </a:ext>
             </a:extLst>
           </p:cNvPr>
@@ -2100,7 +2100,7 @@
           <p:cNvPr id="4" name="灯片编号占位符 3">
             <a:extLst>
               <a:ext uri="{FF2B5EF4-FFF2-40B4-BE49-F238E27FC236}">
-                <a16:creationId xmlns:a16="http://schemas.microsoft.com/office/drawing/2014/main" id="{F707252D-F6A4-0657-6BBC-7EFB5A876FD6}"/>
+                <a16:creationId xmlns:a16="http://schemas.microsoft.com/office/drawing/2014/main" id="{8763F6B3-A631-9BDF-DF22-9F68B0EF2538}"/>
               </a:ext>
             </a:extLst>
           </p:cNvPr>
@@ -2116,7 +2116,7 @@
           <a:bodyPr/>
           <a:lstStyle/>
           <a:p>
-            <a:fld id="{D755354F-CF55-4F80-B0D3-7016214696F0}" type="slidenum">
+            <a:fld id="{EAFFE02E-343F-4856-B90F-82BD384260B4}" type="slidenum">
               <a:rPr lang="zh-CN" altLang="en-US" smtClean="0"/>
               <a:t>‹#›</a:t>
             </a:fld>
@@ -2127,7 +2127,7 @@
     </p:spTree>
     <p:extLst>
       <p:ext uri="{BB962C8B-B14F-4D97-AF65-F5344CB8AC3E}">
-        <p14:creationId xmlns:p14="http://schemas.microsoft.com/office/powerpoint/2010/main" val="1838293251"/>
+        <p14:creationId xmlns:p14="http://schemas.microsoft.com/office/powerpoint/2010/main" val="3005655474"/>
       </p:ext>
     </p:extLst>
   </p:cSld>
@@ -2159,7 +2159,7 @@
           <p:cNvPr id="2" name="标题 1">
             <a:extLst>
               <a:ext uri="{FF2B5EF4-FFF2-40B4-BE49-F238E27FC236}">
-                <a16:creationId xmlns:a16="http://schemas.microsoft.com/office/drawing/2014/main" id="{2849A584-FBDF-F32A-EB90-A5FE6158A91C}"/>
+                <a16:creationId xmlns:a16="http://schemas.microsoft.com/office/drawing/2014/main" id="{A97712BD-FD0C-EA9D-9360-FF5C822A401A}"/>
               </a:ext>
             </a:extLst>
           </p:cNvPr>
@@ -2196,7 +2196,7 @@
           <p:cNvPr id="3" name="内容占位符 2">
             <a:extLst>
               <a:ext uri="{FF2B5EF4-FFF2-40B4-BE49-F238E27FC236}">
-                <a16:creationId xmlns:a16="http://schemas.microsoft.com/office/drawing/2014/main" id="{180A23FC-26BF-D6DB-551A-35F6118BA449}"/>
+                <a16:creationId xmlns:a16="http://schemas.microsoft.com/office/drawing/2014/main" id="{572EA881-DAB6-0DD0-1998-B3C18059DEC6}"/>
               </a:ext>
             </a:extLst>
           </p:cNvPr>
@@ -2286,7 +2286,7 @@
           <p:cNvPr id="4" name="文本占位符 3">
             <a:extLst>
               <a:ext uri="{FF2B5EF4-FFF2-40B4-BE49-F238E27FC236}">
-                <a16:creationId xmlns:a16="http://schemas.microsoft.com/office/drawing/2014/main" id="{F9314A09-62AC-E64B-3819-5EEA940F843C}"/>
+                <a16:creationId xmlns:a16="http://schemas.microsoft.com/office/drawing/2014/main" id="{6BB29B61-4C59-991D-54B4-02D014E7552B}"/>
               </a:ext>
             </a:extLst>
           </p:cNvPr>
@@ -2357,7 +2357,7 @@
           <p:cNvPr id="5" name="日期占位符 4">
             <a:extLst>
               <a:ext uri="{FF2B5EF4-FFF2-40B4-BE49-F238E27FC236}">
-                <a16:creationId xmlns:a16="http://schemas.microsoft.com/office/drawing/2014/main" id="{7F600600-FF7A-F8FC-91C4-0048D724B26D}"/>
+                <a16:creationId xmlns:a16="http://schemas.microsoft.com/office/drawing/2014/main" id="{81065E79-9BE5-0904-D159-F7762DC55FD1}"/>
               </a:ext>
             </a:extLst>
           </p:cNvPr>
@@ -2373,7 +2373,7 @@
           <a:bodyPr/>
           <a:lstStyle/>
           <a:p>
-            <a:fld id="{C4BF9E0C-E532-4E11-80C4-263F0C47CEB0}" type="datetimeFigureOut">
+            <a:fld id="{46113AB6-C752-4B00-9A20-23FC21EDB52E}" type="datetimeFigureOut">
               <a:rPr lang="zh-CN" altLang="en-US" smtClean="0"/>
               <a:t>2024/3/10</a:t>
             </a:fld>
@@ -2386,7 +2386,7 @@
           <p:cNvPr id="6" name="页脚占位符 5">
             <a:extLst>
               <a:ext uri="{FF2B5EF4-FFF2-40B4-BE49-F238E27FC236}">
-                <a16:creationId xmlns:a16="http://schemas.microsoft.com/office/drawing/2014/main" id="{9BC78021-4DE0-3373-2AC8-AA6F8680186C}"/>
+                <a16:creationId xmlns:a16="http://schemas.microsoft.com/office/drawing/2014/main" id="{8CB5C6DF-4301-BF19-5657-23DC5A064366}"/>
               </a:ext>
             </a:extLst>
           </p:cNvPr>
@@ -2411,7 +2411,7 @@
           <p:cNvPr id="7" name="灯片编号占位符 6">
             <a:extLst>
               <a:ext uri="{FF2B5EF4-FFF2-40B4-BE49-F238E27FC236}">
-                <a16:creationId xmlns:a16="http://schemas.microsoft.com/office/drawing/2014/main" id="{EEAB9C6D-843E-1BE1-DDCD-97C469C24820}"/>
+                <a16:creationId xmlns:a16="http://schemas.microsoft.com/office/drawing/2014/main" id="{6C33C194-7947-64DF-B98E-E914A223D65A}"/>
               </a:ext>
             </a:extLst>
           </p:cNvPr>
@@ -2427,7 +2427,7 @@
           <a:bodyPr/>
           <a:lstStyle/>
           <a:p>
-            <a:fld id="{D755354F-CF55-4F80-B0D3-7016214696F0}" type="slidenum">
+            <a:fld id="{EAFFE02E-343F-4856-B90F-82BD384260B4}" type="slidenum">
               <a:rPr lang="zh-CN" altLang="en-US" smtClean="0"/>
               <a:t>‹#›</a:t>
             </a:fld>
@@ -2438,7 +2438,7 @@
     </p:spTree>
     <p:extLst>
       <p:ext uri="{BB962C8B-B14F-4D97-AF65-F5344CB8AC3E}">
-        <p14:creationId xmlns:p14="http://schemas.microsoft.com/office/powerpoint/2010/main" val="3943774888"/>
+        <p14:creationId xmlns:p14="http://schemas.microsoft.com/office/powerpoint/2010/main" val="1533169946"/>
       </p:ext>
     </p:extLst>
   </p:cSld>
@@ -2470,7 +2470,7 @@
           <p:cNvPr id="2" name="标题 1">
             <a:extLst>
               <a:ext uri="{FF2B5EF4-FFF2-40B4-BE49-F238E27FC236}">
-                <a16:creationId xmlns:a16="http://schemas.microsoft.com/office/drawing/2014/main" id="{B45C4931-712D-F383-FB90-F96EA41BB60F}"/>
+                <a16:creationId xmlns:a16="http://schemas.microsoft.com/office/drawing/2014/main" id="{D4F8AE7C-6853-8F62-DF1C-128E0D315343}"/>
               </a:ext>
             </a:extLst>
           </p:cNvPr>
@@ -2507,7 +2507,7 @@
           <p:cNvPr id="3" name="图片占位符 2">
             <a:extLst>
               <a:ext uri="{FF2B5EF4-FFF2-40B4-BE49-F238E27FC236}">
-                <a16:creationId xmlns:a16="http://schemas.microsoft.com/office/drawing/2014/main" id="{2726DE50-7300-FB5B-B748-7E374748C08B}"/>
+                <a16:creationId xmlns:a16="http://schemas.microsoft.com/office/drawing/2014/main" id="{9F8223BC-BD7B-B2D1-7AC2-3FFDDBCC0385}"/>
               </a:ext>
             </a:extLst>
           </p:cNvPr>
@@ -2574,7 +2574,7 @@
           <p:cNvPr id="4" name="文本占位符 3">
             <a:extLst>
               <a:ext uri="{FF2B5EF4-FFF2-40B4-BE49-F238E27FC236}">
-                <a16:creationId xmlns:a16="http://schemas.microsoft.com/office/drawing/2014/main" id="{DECADCA5-32C9-98B0-37F5-F0869A07B07B}"/>
+                <a16:creationId xmlns:a16="http://schemas.microsoft.com/office/drawing/2014/main" id="{95E079B3-5D70-2780-D8B6-9BDCA14FFBFC}"/>
               </a:ext>
             </a:extLst>
           </p:cNvPr>
@@ -2645,7 +2645,7 @@
           <p:cNvPr id="5" name="日期占位符 4">
             <a:extLst>
               <a:ext uri="{FF2B5EF4-FFF2-40B4-BE49-F238E27FC236}">
-                <a16:creationId xmlns:a16="http://schemas.microsoft.com/office/drawing/2014/main" id="{90CA2C90-030E-A2B7-1661-04D2CD080DEB}"/>
+                <a16:creationId xmlns:a16="http://schemas.microsoft.com/office/drawing/2014/main" id="{69DEA12F-C8E3-A62D-8ADA-B80877EAECA6}"/>
               </a:ext>
             </a:extLst>
           </p:cNvPr>
@@ -2661,7 +2661,7 @@
           <a:bodyPr/>
           <a:lstStyle/>
           <a:p>
-            <a:fld id="{C4BF9E0C-E532-4E11-80C4-263F0C47CEB0}" type="datetimeFigureOut">
+            <a:fld id="{46113AB6-C752-4B00-9A20-23FC21EDB52E}" type="datetimeFigureOut">
               <a:rPr lang="zh-CN" altLang="en-US" smtClean="0"/>
               <a:t>2024/3/10</a:t>
             </a:fld>
@@ -2674,7 +2674,7 @@
           <p:cNvPr id="6" name="页脚占位符 5">
             <a:extLst>
               <a:ext uri="{FF2B5EF4-FFF2-40B4-BE49-F238E27FC236}">
-                <a16:creationId xmlns:a16="http://schemas.microsoft.com/office/drawing/2014/main" id="{D2E5C931-A0EF-D8CB-13EF-46924362D7BE}"/>
+                <a16:creationId xmlns:a16="http://schemas.microsoft.com/office/drawing/2014/main" id="{B65A0D75-EE35-FC1C-FB56-E9327CC4AE96}"/>
               </a:ext>
             </a:extLst>
           </p:cNvPr>
@@ -2699,7 +2699,7 @@
           <p:cNvPr id="7" name="灯片编号占位符 6">
             <a:extLst>
               <a:ext uri="{FF2B5EF4-FFF2-40B4-BE49-F238E27FC236}">
-                <a16:creationId xmlns:a16="http://schemas.microsoft.com/office/drawing/2014/main" id="{B86C84C4-6A0E-C85C-D024-99855902B208}"/>
+                <a16:creationId xmlns:a16="http://schemas.microsoft.com/office/drawing/2014/main" id="{032A086A-1BED-EFF0-7638-7D64AC761C0F}"/>
               </a:ext>
             </a:extLst>
           </p:cNvPr>
@@ -2715,7 +2715,7 @@
           <a:bodyPr/>
           <a:lstStyle/>
           <a:p>
-            <a:fld id="{D755354F-CF55-4F80-B0D3-7016214696F0}" type="slidenum">
+            <a:fld id="{EAFFE02E-343F-4856-B90F-82BD384260B4}" type="slidenum">
               <a:rPr lang="zh-CN" altLang="en-US" smtClean="0"/>
               <a:t>‹#›</a:t>
             </a:fld>
@@ -2726,7 +2726,7 @@
     </p:spTree>
     <p:extLst>
       <p:ext uri="{BB962C8B-B14F-4D97-AF65-F5344CB8AC3E}">
-        <p14:creationId xmlns:p14="http://schemas.microsoft.com/office/powerpoint/2010/main" val="2014996521"/>
+        <p14:creationId xmlns:p14="http://schemas.microsoft.com/office/powerpoint/2010/main" val="1161112336"/>
       </p:ext>
     </p:extLst>
   </p:cSld>
@@ -2763,7 +2763,7 @@
           <p:cNvPr id="2" name="标题占位符 1">
             <a:extLst>
               <a:ext uri="{FF2B5EF4-FFF2-40B4-BE49-F238E27FC236}">
-                <a16:creationId xmlns:a16="http://schemas.microsoft.com/office/drawing/2014/main" id="{BDD7301D-9761-36C0-4620-04423F15F72F}"/>
+                <a16:creationId xmlns:a16="http://schemas.microsoft.com/office/drawing/2014/main" id="{9E334185-8FFC-06FA-D6D5-0E8AB2868C82}"/>
               </a:ext>
             </a:extLst>
           </p:cNvPr>
@@ -2801,7 +2801,7 @@
           <p:cNvPr id="3" name="文本占位符 2">
             <a:extLst>
               <a:ext uri="{FF2B5EF4-FFF2-40B4-BE49-F238E27FC236}">
-                <a16:creationId xmlns:a16="http://schemas.microsoft.com/office/drawing/2014/main" id="{9B1AB3D1-4C5C-46E4-0F2E-AE422A49967C}"/>
+                <a16:creationId xmlns:a16="http://schemas.microsoft.com/office/drawing/2014/main" id="{D1C13C2C-797D-6898-D115-7D47EC86DAD5}"/>
               </a:ext>
             </a:extLst>
           </p:cNvPr>
@@ -2868,7 +2868,7 @@
           <p:cNvPr id="4" name="日期占位符 3">
             <a:extLst>
               <a:ext uri="{FF2B5EF4-FFF2-40B4-BE49-F238E27FC236}">
-                <a16:creationId xmlns:a16="http://schemas.microsoft.com/office/drawing/2014/main" id="{677E23EA-FC98-43EF-C001-AD3CFF4CA31D}"/>
+                <a16:creationId xmlns:a16="http://schemas.microsoft.com/office/drawing/2014/main" id="{759B92A1-3FCE-C3D7-5AF7-C3EA09E94014}"/>
               </a:ext>
             </a:extLst>
           </p:cNvPr>
@@ -2902,7 +2902,7 @@
             </a:lvl1pPr>
           </a:lstStyle>
           <a:p>
-            <a:fld id="{C4BF9E0C-E532-4E11-80C4-263F0C47CEB0}" type="datetimeFigureOut">
+            <a:fld id="{46113AB6-C752-4B00-9A20-23FC21EDB52E}" type="datetimeFigureOut">
               <a:rPr lang="zh-CN" altLang="en-US" smtClean="0"/>
               <a:t>2024/3/10</a:t>
             </a:fld>
@@ -2915,7 +2915,7 @@
           <p:cNvPr id="5" name="页脚占位符 4">
             <a:extLst>
               <a:ext uri="{FF2B5EF4-FFF2-40B4-BE49-F238E27FC236}">
-                <a16:creationId xmlns:a16="http://schemas.microsoft.com/office/drawing/2014/main" id="{23DB6E5A-5FA7-4AE8-DB76-C74FAF478827}"/>
+                <a16:creationId xmlns:a16="http://schemas.microsoft.com/office/drawing/2014/main" id="{D96DCD95-FF53-AF61-C7AD-BF54CEF8EB30}"/>
               </a:ext>
             </a:extLst>
           </p:cNvPr>
@@ -2958,7 +2958,7 @@
           <p:cNvPr id="6" name="灯片编号占位符 5">
             <a:extLst>
               <a:ext uri="{FF2B5EF4-FFF2-40B4-BE49-F238E27FC236}">
-                <a16:creationId xmlns:a16="http://schemas.microsoft.com/office/drawing/2014/main" id="{7DCBC641-E739-DC4B-A992-419504980232}"/>
+                <a16:creationId xmlns:a16="http://schemas.microsoft.com/office/drawing/2014/main" id="{81199ACB-FEAD-4225-05AB-D36C2304A04B}"/>
               </a:ext>
             </a:extLst>
           </p:cNvPr>
@@ -2992,7 +2992,7 @@
             </a:lvl1pPr>
           </a:lstStyle>
           <a:p>
-            <a:fld id="{D755354F-CF55-4F80-B0D3-7016214696F0}" type="slidenum">
+            <a:fld id="{EAFFE02E-343F-4856-B90F-82BD384260B4}" type="slidenum">
               <a:rPr lang="zh-CN" altLang="en-US" smtClean="0"/>
               <a:t>‹#›</a:t>
             </a:fld>
@@ -3003,7 +3003,7 @@
     </p:spTree>
     <p:extLst>
       <p:ext uri="{BB962C8B-B14F-4D97-AF65-F5344CB8AC3E}">
-        <p14:creationId xmlns:p14="http://schemas.microsoft.com/office/powerpoint/2010/main" val="3740273528"/>
+        <p14:creationId xmlns:p14="http://schemas.microsoft.com/office/powerpoint/2010/main" val="2173796090"/>
       </p:ext>
     </p:extLst>
   </p:cSld>
